--- a/ccordinate_systems.pptx
+++ b/ccordinate_systems.pptx
@@ -291,7 +291,7 @@
           <a:p>
             <a:fld id="{802006FE-6571-4354-8775-F8708372C227}" type="slidenum">
               <a:rPr lang="de-DE" smtClean="0"/>
-              <a:t>‹Nr.›</a:t>
+              <a:t>‹#›</a:t>
             </a:fld>
             <a:endParaRPr lang="de-DE"/>
           </a:p>
@@ -459,7 +459,7 @@
           <a:p>
             <a:fld id="{802006FE-6571-4354-8775-F8708372C227}" type="slidenum">
               <a:rPr lang="de-DE" smtClean="0"/>
-              <a:t>‹Nr.›</a:t>
+              <a:t>‹#›</a:t>
             </a:fld>
             <a:endParaRPr lang="de-DE"/>
           </a:p>
@@ -637,7 +637,7 @@
           <a:p>
             <a:fld id="{802006FE-6571-4354-8775-F8708372C227}" type="slidenum">
               <a:rPr lang="de-DE" smtClean="0"/>
-              <a:t>‹Nr.›</a:t>
+              <a:t>‹#›</a:t>
             </a:fld>
             <a:endParaRPr lang="de-DE"/>
           </a:p>
@@ -805,7 +805,7 @@
           <a:p>
             <a:fld id="{802006FE-6571-4354-8775-F8708372C227}" type="slidenum">
               <a:rPr lang="de-DE" smtClean="0"/>
-              <a:t>‹Nr.›</a:t>
+              <a:t>‹#›</a:t>
             </a:fld>
             <a:endParaRPr lang="de-DE"/>
           </a:p>
@@ -1050,7 +1050,7 @@
           <a:p>
             <a:fld id="{802006FE-6571-4354-8775-F8708372C227}" type="slidenum">
               <a:rPr lang="de-DE" smtClean="0"/>
-              <a:t>‹Nr.›</a:t>
+              <a:t>‹#›</a:t>
             </a:fld>
             <a:endParaRPr lang="de-DE"/>
           </a:p>
@@ -1279,7 +1279,7 @@
           <a:p>
             <a:fld id="{802006FE-6571-4354-8775-F8708372C227}" type="slidenum">
               <a:rPr lang="de-DE" smtClean="0"/>
-              <a:t>‹Nr.›</a:t>
+              <a:t>‹#›</a:t>
             </a:fld>
             <a:endParaRPr lang="de-DE"/>
           </a:p>
@@ -1643,7 +1643,7 @@
           <a:p>
             <a:fld id="{802006FE-6571-4354-8775-F8708372C227}" type="slidenum">
               <a:rPr lang="de-DE" smtClean="0"/>
-              <a:t>‹Nr.›</a:t>
+              <a:t>‹#›</a:t>
             </a:fld>
             <a:endParaRPr lang="de-DE"/>
           </a:p>
@@ -1760,7 +1760,7 @@
           <a:p>
             <a:fld id="{802006FE-6571-4354-8775-F8708372C227}" type="slidenum">
               <a:rPr lang="de-DE" smtClean="0"/>
-              <a:t>‹Nr.›</a:t>
+              <a:t>‹#›</a:t>
             </a:fld>
             <a:endParaRPr lang="de-DE"/>
           </a:p>
@@ -1855,7 +1855,7 @@
           <a:p>
             <a:fld id="{802006FE-6571-4354-8775-F8708372C227}" type="slidenum">
               <a:rPr lang="de-DE" smtClean="0"/>
-              <a:t>‹Nr.›</a:t>
+              <a:t>‹#›</a:t>
             </a:fld>
             <a:endParaRPr lang="de-DE"/>
           </a:p>
@@ -2130,7 +2130,7 @@
           <a:p>
             <a:fld id="{802006FE-6571-4354-8775-F8708372C227}" type="slidenum">
               <a:rPr lang="de-DE" smtClean="0"/>
-              <a:t>‹Nr.›</a:t>
+              <a:t>‹#›</a:t>
             </a:fld>
             <a:endParaRPr lang="de-DE"/>
           </a:p>
@@ -2382,7 +2382,7 @@
           <a:p>
             <a:fld id="{802006FE-6571-4354-8775-F8708372C227}" type="slidenum">
               <a:rPr lang="de-DE" smtClean="0"/>
-              <a:t>‹Nr.›</a:t>
+              <a:t>‹#›</a:t>
             </a:fld>
             <a:endParaRPr lang="de-DE"/>
           </a:p>
@@ -2629,7 +2629,7 @@
           <a:p>
             <a:fld id="{802006FE-6571-4354-8775-F8708372C227}" type="slidenum">
               <a:rPr lang="de-DE" smtClean="0"/>
-              <a:t>‹Nr.›</a:t>
+              <a:t>‹#›</a:t>
             </a:fld>
             <a:endParaRPr lang="de-DE"/>
           </a:p>
@@ -3573,8 +3573,8 @@
         </p:nvSpPr>
         <p:spPr>
           <a:xfrm>
-            <a:off x="7668227" y="3568861"/>
-            <a:ext cx="2743199" cy="430887"/>
+            <a:off x="7668228" y="3568861"/>
+            <a:ext cx="2636948" cy="430887"/>
           </a:xfrm>
           <a:prstGeom prst="rect">
             <a:avLst/>
@@ -3595,15 +3595,15 @@
           <a:lstStyle/>
           <a:p>
             <a:r>
-              <a:rPr lang="de-DE" sz="1100" b="1" err="1"/>
-              <a:t>Wxyz-quat</a:t>
+              <a:rPr lang="de-DE" sz="1100" b="1" dirty="0" err="1"/>
+              <a:t>wxyz-quat</a:t>
             </a:r>
             <a:r>
               <a:rPr lang="de-DE" sz="1100" b="1" dirty="0"/>
-              <a:t>: (0,1,0,0) --&gt; KOS um180 grad um x-Achse </a:t>
-            </a:r>
-            <a:r>
-              <a:rPr lang="de-DE" sz="1100" b="1" err="1"/>
+              <a:t>: (0,1,0,0) -&gt; KOS um 180° um x-Achse </a:t>
+            </a:r>
+            <a:r>
+              <a:rPr lang="de-DE" sz="1100" b="1" dirty="0" err="1"/>
               <a:t>grdreht</a:t>
             </a:r>
             <a:r>
